--- a/Presentation/P프로젝트-1조 제안서.pptx
+++ b/Presentation/P프로젝트-1조 제안서.pptx
@@ -251,7 +251,7 @@
             <a:fld id="{9BA71634-8475-469E-9C9C-C30064C50F8B}" type="datetimeFigureOut">
               <a:rPr lang="ko-KR" altLang="en-US" smtClean="0"/>
               <a:pPr/>
-              <a:t>2023-11-24</a:t>
+              <a:t>2023-11-26</a:t>
             </a:fld>
             <a:endParaRPr lang="ko-KR" altLang="en-US"/>
           </a:p>
@@ -2568,7 +2568,7 @@
           <a:p>
             <a:fld id="{FA3F4D6F-FE66-49AA-820F-E838D746DE0D}" type="datetime1">
               <a:rPr lang="ko-KR" altLang="en-US" smtClean="0"/>
-              <a:t>2023-11-24</a:t>
+              <a:t>2023-11-26</a:t>
             </a:fld>
             <a:endParaRPr lang="ko-KR" altLang="en-US"/>
           </a:p>
@@ -2737,7 +2737,7 @@
           <a:p>
             <a:fld id="{B7BAA97D-B9FE-4842-989A-F9231C300678}" type="datetime1">
               <a:rPr lang="ko-KR" altLang="en-US" smtClean="0"/>
-              <a:t>2023-11-24</a:t>
+              <a:t>2023-11-26</a:t>
             </a:fld>
             <a:endParaRPr lang="ko-KR" altLang="en-US"/>
           </a:p>
@@ -2916,7 +2916,7 @@
           <a:p>
             <a:fld id="{08A540F7-8EEE-431D-B608-016BF2067FD2}" type="datetime1">
               <a:rPr lang="ko-KR" altLang="en-US" smtClean="0"/>
-              <a:t>2023-11-24</a:t>
+              <a:t>2023-11-26</a:t>
             </a:fld>
             <a:endParaRPr lang="ko-KR" altLang="en-US"/>
           </a:p>
@@ -3085,7 +3085,7 @@
           <a:p>
             <a:fld id="{39E73B47-48CF-4166-8A27-F680965F68DB}" type="datetime1">
               <a:rPr lang="ko-KR" altLang="en-US" smtClean="0"/>
-              <a:t>2023-11-24</a:t>
+              <a:t>2023-11-26</a:t>
             </a:fld>
             <a:endParaRPr lang="ko-KR" altLang="en-US"/>
           </a:p>
@@ -3331,7 +3331,7 @@
           <a:p>
             <a:fld id="{4E8F3C90-6DBD-4CC8-A824-EF9002443EF8}" type="datetime1">
               <a:rPr lang="ko-KR" altLang="en-US" smtClean="0"/>
-              <a:t>2023-11-24</a:t>
+              <a:t>2023-11-26</a:t>
             </a:fld>
             <a:endParaRPr lang="ko-KR" altLang="en-US"/>
           </a:p>
@@ -3617,7 +3617,7 @@
           <a:p>
             <a:fld id="{6B85AE0F-56C4-4815-8DB4-9F616730FAD2}" type="datetime1">
               <a:rPr lang="ko-KR" altLang="en-US" smtClean="0"/>
-              <a:t>2023-11-24</a:t>
+              <a:t>2023-11-26</a:t>
             </a:fld>
             <a:endParaRPr lang="ko-KR" altLang="en-US"/>
           </a:p>
@@ -4037,7 +4037,7 @@
           <a:p>
             <a:fld id="{2386D1D6-2BF3-427A-99EA-70BC5D44EFA4}" type="datetime1">
               <a:rPr lang="ko-KR" altLang="en-US" smtClean="0"/>
-              <a:t>2023-11-24</a:t>
+              <a:t>2023-11-26</a:t>
             </a:fld>
             <a:endParaRPr lang="ko-KR" altLang="en-US"/>
           </a:p>
@@ -4155,7 +4155,7 @@
           <a:p>
             <a:fld id="{3C90F1E5-EB2C-45F0-8F50-171155DF2CDE}" type="datetime1">
               <a:rPr lang="ko-KR" altLang="en-US" smtClean="0"/>
-              <a:t>2023-11-24</a:t>
+              <a:t>2023-11-26</a:t>
             </a:fld>
             <a:endParaRPr lang="ko-KR" altLang="en-US"/>
           </a:p>
@@ -4251,7 +4251,7 @@
           <a:p>
             <a:fld id="{2EAD72F4-09FD-434E-91BE-1B152A4CC805}" type="datetime1">
               <a:rPr lang="ko-KR" altLang="en-US" smtClean="0"/>
-              <a:t>2023-11-24</a:t>
+              <a:t>2023-11-26</a:t>
             </a:fld>
             <a:endParaRPr lang="ko-KR" altLang="en-US"/>
           </a:p>
@@ -4527,7 +4527,7 @@
           <a:p>
             <a:fld id="{099B107C-3CF7-4C1F-B760-52C30B3B0BFD}" type="datetime1">
               <a:rPr lang="ko-KR" altLang="en-US" smtClean="0"/>
-              <a:t>2023-11-24</a:t>
+              <a:t>2023-11-26</a:t>
             </a:fld>
             <a:endParaRPr lang="ko-KR" altLang="en-US"/>
           </a:p>
@@ -4780,7 +4780,7 @@
           <a:p>
             <a:fld id="{5456E2FE-9AEE-4BA9-B8FC-F83D16592931}" type="datetime1">
               <a:rPr lang="ko-KR" altLang="en-US" smtClean="0"/>
-              <a:t>2023-11-24</a:t>
+              <a:t>2023-11-26</a:t>
             </a:fld>
             <a:endParaRPr lang="ko-KR" altLang="en-US"/>
           </a:p>
@@ -4998,7 +4998,7 @@
           <a:p>
             <a:fld id="{C1E3BCCA-9E5A-4BAC-B665-33D86BAE6888}" type="datetime1">
               <a:rPr lang="ko-KR" altLang="en-US" smtClean="0"/>
-              <a:t>2023-11-24</a:t>
+              <a:t>2023-11-26</a:t>
             </a:fld>
             <a:endParaRPr lang="ko-KR" altLang="en-US"/>
           </a:p>
@@ -27787,7 +27787,12 @@
             <p:ph type="sldNum" sz="quarter" idx="12"/>
           </p:nvPr>
         </p:nvSpPr>
-        <p:spPr/>
+        <p:spPr>
+          <a:xfrm>
+            <a:off x="7012868" y="4865762"/>
+            <a:ext cx="2133600" cy="273844"/>
+          </a:xfrm>
+        </p:spPr>
         <p:txBody>
           <a:bodyPr/>
           <a:lstStyle/>
@@ -27925,6 +27930,36 @@
           </a:p>
         </p:txBody>
       </p:sp>
+      <p:pic>
+        <p:nvPicPr>
+          <p:cNvPr id="12" name="그림 11">
+            <a:extLst>
+              <a:ext uri="{FF2B5EF4-FFF2-40B4-BE49-F238E27FC236}">
+                <a16:creationId xmlns:a16="http://schemas.microsoft.com/office/drawing/2014/main" id="{C31FD636-3CFE-F899-9136-FCF87A27F65F}"/>
+              </a:ext>
+            </a:extLst>
+          </p:cNvPr>
+          <p:cNvPicPr>
+            <a:picLocks noChangeAspect="1"/>
+          </p:cNvPicPr>
+          <p:nvPr/>
+        </p:nvPicPr>
+        <p:blipFill>
+          <a:blip r:embed="rId3"/>
+          <a:stretch>
+            <a:fillRect/>
+          </a:stretch>
+        </p:blipFill>
+        <p:spPr>
+          <a:xfrm>
+            <a:off x="406213" y="1038077"/>
+            <a:ext cx="8331573" cy="4038851"/>
+          </a:xfrm>
+          <a:prstGeom prst="rect">
+            <a:avLst/>
+          </a:prstGeom>
+        </p:spPr>
+      </p:pic>
     </p:spTree>
     <p:extLst>
       <p:ext uri="{BB962C8B-B14F-4D97-AF65-F5344CB8AC3E}">
